--- a/data/team/汪汪队_项目展示(2014081_2011064_2011839).pptx
+++ b/data/team/汪汪队_项目展示(2014081_2011064_2011839).pptx
@@ -222,7 +222,7 @@
           <a:p>
             <a:fld id="{D3C45111-24ED-403C-BEF8-8E646734F01B}" type="datetimeFigureOut">
               <a:rPr lang="zh-CN" altLang="en-US" smtClean="0"/>
-              <a:t>2024/1/21</a:t>
+              <a:t>2024/1/23</a:t>
             </a:fld>
             <a:endParaRPr lang="zh-CN" altLang="en-US"/>
           </a:p>
@@ -2301,7 +2301,7 @@
           <a:p>
             <a:fld id="{73C12EA6-A0C9-49B6-B93F-ACEDDA30DEDF}" type="datetimeFigureOut">
               <a:rPr lang="zh-CN" altLang="en-US" smtClean="0"/>
-              <a:t>2024/1/21</a:t>
+              <a:t>2024/1/23</a:t>
             </a:fld>
             <a:endParaRPr lang="zh-CN" altLang="en-US"/>
           </a:p>
@@ -2471,7 +2471,7 @@
           <a:p>
             <a:fld id="{73C12EA6-A0C9-49B6-B93F-ACEDDA30DEDF}" type="datetimeFigureOut">
               <a:rPr lang="zh-CN" altLang="en-US" smtClean="0"/>
-              <a:t>2024/1/21</a:t>
+              <a:t>2024/1/23</a:t>
             </a:fld>
             <a:endParaRPr lang="zh-CN" altLang="en-US"/>
           </a:p>
@@ -2651,7 +2651,7 @@
           <a:p>
             <a:fld id="{73C12EA6-A0C9-49B6-B93F-ACEDDA30DEDF}" type="datetimeFigureOut">
               <a:rPr lang="zh-CN" altLang="en-US" smtClean="0"/>
-              <a:t>2024/1/21</a:t>
+              <a:t>2024/1/23</a:t>
             </a:fld>
             <a:endParaRPr lang="zh-CN" altLang="en-US"/>
           </a:p>
@@ -2863,7 +2863,7 @@
           <a:p>
             <a:fld id="{73C12EA6-A0C9-49B6-B93F-ACEDDA30DEDF}" type="datetimeFigureOut">
               <a:rPr lang="zh-CN" altLang="en-US" smtClean="0"/>
-              <a:t>2024/1/21</a:t>
+              <a:t>2024/1/23</a:t>
             </a:fld>
             <a:endParaRPr lang="zh-CN" altLang="en-US"/>
           </a:p>
@@ -3109,7 +3109,7 @@
           <a:p>
             <a:fld id="{73C12EA6-A0C9-49B6-B93F-ACEDDA30DEDF}" type="datetimeFigureOut">
               <a:rPr lang="zh-CN" altLang="en-US" smtClean="0"/>
-              <a:t>2024/1/21</a:t>
+              <a:t>2024/1/23</a:t>
             </a:fld>
             <a:endParaRPr lang="zh-CN" altLang="en-US"/>
           </a:p>
@@ -3341,7 +3341,7 @@
           <a:p>
             <a:fld id="{73C12EA6-A0C9-49B6-B93F-ACEDDA30DEDF}" type="datetimeFigureOut">
               <a:rPr lang="zh-CN" altLang="en-US" smtClean="0"/>
-              <a:t>2024/1/21</a:t>
+              <a:t>2024/1/23</a:t>
             </a:fld>
             <a:endParaRPr lang="zh-CN" altLang="en-US"/>
           </a:p>
@@ -3708,7 +3708,7 @@
           <a:p>
             <a:fld id="{73C12EA6-A0C9-49B6-B93F-ACEDDA30DEDF}" type="datetimeFigureOut">
               <a:rPr lang="zh-CN" altLang="en-US" smtClean="0"/>
-              <a:t>2024/1/21</a:t>
+              <a:t>2024/1/23</a:t>
             </a:fld>
             <a:endParaRPr lang="zh-CN" altLang="en-US"/>
           </a:p>
@@ -3826,7 +3826,7 @@
           <a:p>
             <a:fld id="{73C12EA6-A0C9-49B6-B93F-ACEDDA30DEDF}" type="datetimeFigureOut">
               <a:rPr lang="zh-CN" altLang="en-US" smtClean="0"/>
-              <a:t>2024/1/21</a:t>
+              <a:t>2024/1/23</a:t>
             </a:fld>
             <a:endParaRPr lang="zh-CN" altLang="en-US"/>
           </a:p>
@@ -3921,7 +3921,7 @@
           <a:p>
             <a:fld id="{73C12EA6-A0C9-49B6-B93F-ACEDDA30DEDF}" type="datetimeFigureOut">
               <a:rPr lang="zh-CN" altLang="en-US" smtClean="0"/>
-              <a:t>2024/1/21</a:t>
+              <a:t>2024/1/23</a:t>
             </a:fld>
             <a:endParaRPr lang="zh-CN" altLang="en-US"/>
           </a:p>
@@ -4198,7 +4198,7 @@
           <a:p>
             <a:fld id="{73C12EA6-A0C9-49B6-B93F-ACEDDA30DEDF}" type="datetimeFigureOut">
               <a:rPr lang="zh-CN" altLang="en-US" smtClean="0"/>
-              <a:t>2024/1/21</a:t>
+              <a:t>2024/1/23</a:t>
             </a:fld>
             <a:endParaRPr lang="zh-CN" altLang="en-US"/>
           </a:p>
@@ -4451,7 +4451,7 @@
           <a:p>
             <a:fld id="{73C12EA6-A0C9-49B6-B93F-ACEDDA30DEDF}" type="datetimeFigureOut">
               <a:rPr lang="zh-CN" altLang="en-US" smtClean="0"/>
-              <a:t>2024/1/21</a:t>
+              <a:t>2024/1/23</a:t>
             </a:fld>
             <a:endParaRPr lang="zh-CN" altLang="en-US"/>
           </a:p>
@@ -4664,7 +4664,7 @@
           <a:p>
             <a:fld id="{73C12EA6-A0C9-49B6-B93F-ACEDDA30DEDF}" type="datetimeFigureOut">
               <a:rPr lang="zh-CN" altLang="en-US" smtClean="0"/>
-              <a:t>2024/1/21</a:t>
+              <a:t>2024/1/23</a:t>
             </a:fld>
             <a:endParaRPr lang="zh-CN" altLang="en-US"/>
           </a:p>
@@ -6624,13 +6624,13 @@
   <p:clrMapOvr>
     <a:masterClrMapping/>
   </p:clrMapOvr>
-  <mc:AlternateContent xmlns:mc="http://schemas.openxmlformats.org/markup-compatibility/2006">
-    <mc:Choice xmlns:p14="http://schemas.microsoft.com/office/powerpoint/2010/main" Requires="p14">
+  <mc:AlternateContent xmlns:mc="http://schemas.openxmlformats.org/markup-compatibility/2006" xmlns:p14="http://schemas.microsoft.com/office/powerpoint/2010/main">
+    <mc:Choice Requires="p14">
       <p:transition spd="slow" p14:dur="1500">
         <p:random/>
       </p:transition>
     </mc:Choice>
-    <mc:Fallback>
+    <mc:Fallback xmlns="">
       <p:transition spd="slow">
         <p:random/>
       </p:transition>
@@ -21252,13 +21252,13 @@
   <p:clrMapOvr>
     <a:masterClrMapping/>
   </p:clrMapOvr>
-  <mc:AlternateContent xmlns:mc="http://schemas.openxmlformats.org/markup-compatibility/2006">
-    <mc:Choice xmlns:p14="http://schemas.microsoft.com/office/powerpoint/2010/main" Requires="p14">
+  <mc:AlternateContent xmlns:mc="http://schemas.openxmlformats.org/markup-compatibility/2006" xmlns:p14="http://schemas.microsoft.com/office/powerpoint/2010/main">
+    <mc:Choice Requires="p14">
       <p:transition spd="slow" p14:dur="1500">
         <p:random/>
       </p:transition>
     </mc:Choice>
-    <mc:Fallback>
+    <mc:Fallback xmlns="">
       <p:transition spd="slow">
         <p:random/>
       </p:transition>
@@ -22549,13 +22549,13 @@
   <p:clrMapOvr>
     <a:masterClrMapping/>
   </p:clrMapOvr>
-  <mc:AlternateContent xmlns:mc="http://schemas.openxmlformats.org/markup-compatibility/2006">
-    <mc:Choice xmlns:p14="http://schemas.microsoft.com/office/powerpoint/2010/main" Requires="p14">
+  <mc:AlternateContent xmlns:mc="http://schemas.openxmlformats.org/markup-compatibility/2006" xmlns:p14="http://schemas.microsoft.com/office/powerpoint/2010/main">
+    <mc:Choice Requires="p14">
       <p:transition spd="slow" p14:dur="1500">
         <p:random/>
       </p:transition>
     </mc:Choice>
-    <mc:Fallback>
+    <mc:Fallback xmlns="">
       <p:transition spd="slow">
         <p:random/>
       </p:transition>
@@ -25321,13 +25321,13 @@
   <p:clrMapOvr>
     <a:masterClrMapping/>
   </p:clrMapOvr>
-  <mc:AlternateContent xmlns:mc="http://schemas.openxmlformats.org/markup-compatibility/2006">
-    <mc:Choice xmlns:p14="http://schemas.microsoft.com/office/powerpoint/2010/main" Requires="p14">
+  <mc:AlternateContent xmlns:mc="http://schemas.openxmlformats.org/markup-compatibility/2006" xmlns:p14="http://schemas.microsoft.com/office/powerpoint/2010/main">
+    <mc:Choice Requires="p14">
       <p:transition spd="slow" p14:dur="1500">
         <p:random/>
       </p:transition>
     </mc:Choice>
-    <mc:Fallback>
+    <mc:Fallback xmlns="">
       <p:transition spd="slow">
         <p:random/>
       </p:transition>
@@ -26198,13 +26198,13 @@
   <p:clrMapOvr>
     <a:masterClrMapping/>
   </p:clrMapOvr>
-  <mc:AlternateContent xmlns:mc="http://schemas.openxmlformats.org/markup-compatibility/2006">
-    <mc:Choice xmlns:p14="http://schemas.microsoft.com/office/powerpoint/2010/main" Requires="p14">
+  <mc:AlternateContent xmlns:mc="http://schemas.openxmlformats.org/markup-compatibility/2006" xmlns:p14="http://schemas.microsoft.com/office/powerpoint/2010/main">
+    <mc:Choice Requires="p14">
       <p:transition spd="slow" p14:dur="1500">
         <p:random/>
       </p:transition>
     </mc:Choice>
-    <mc:Fallback>
+    <mc:Fallback xmlns="">
       <p:transition spd="slow">
         <p:random/>
       </p:transition>
@@ -26914,13 +26914,13 @@
   <p:clrMapOvr>
     <a:masterClrMapping/>
   </p:clrMapOvr>
-  <mc:AlternateContent xmlns:mc="http://schemas.openxmlformats.org/markup-compatibility/2006">
-    <mc:Choice xmlns:p14="http://schemas.microsoft.com/office/powerpoint/2010/main" Requires="p14">
+  <mc:AlternateContent xmlns:mc="http://schemas.openxmlformats.org/markup-compatibility/2006" xmlns:p14="http://schemas.microsoft.com/office/powerpoint/2010/main">
+    <mc:Choice Requires="p14">
       <p:transition spd="slow" p14:dur="1500">
         <p:random/>
       </p:transition>
     </mc:Choice>
-    <mc:Fallback>
+    <mc:Fallback xmlns="">
       <p:transition spd="slow">
         <p:random/>
       </p:transition>
@@ -28424,13 +28424,13 @@
   <p:clrMapOvr>
     <a:masterClrMapping/>
   </p:clrMapOvr>
-  <mc:AlternateContent xmlns:mc="http://schemas.openxmlformats.org/markup-compatibility/2006">
-    <mc:Choice xmlns:p14="http://schemas.microsoft.com/office/powerpoint/2010/main" Requires="p14">
+  <mc:AlternateContent xmlns:mc="http://schemas.openxmlformats.org/markup-compatibility/2006" xmlns:p14="http://schemas.microsoft.com/office/powerpoint/2010/main">
+    <mc:Choice Requires="p14">
       <p:transition spd="slow" p14:dur="1500">
         <p:random/>
       </p:transition>
     </mc:Choice>
-    <mc:Fallback>
+    <mc:Fallback xmlns="">
       <p:transition spd="slow">
         <p:random/>
       </p:transition>
@@ -29669,13 +29669,13 @@
   <p:clrMapOvr>
     <a:masterClrMapping/>
   </p:clrMapOvr>
-  <mc:AlternateContent xmlns:mc="http://schemas.openxmlformats.org/markup-compatibility/2006">
-    <mc:Choice xmlns:p14="http://schemas.microsoft.com/office/powerpoint/2010/main" Requires="p14">
+  <mc:AlternateContent xmlns:mc="http://schemas.openxmlformats.org/markup-compatibility/2006" xmlns:p14="http://schemas.microsoft.com/office/powerpoint/2010/main">
+    <mc:Choice Requires="p14">
       <p:transition spd="slow" p14:dur="1500">
         <p:random/>
       </p:transition>
     </mc:Choice>
-    <mc:Fallback>
+    <mc:Fallback xmlns="">
       <p:transition spd="slow">
         <p:random/>
       </p:transition>
@@ -29882,15 +29882,6 @@
                 </a:rPr>
                 <a:t>小组分工介绍</a:t>
               </a:r>
-              <a:endParaRPr lang="zh-CN" altLang="en-US" sz="3600" b="1" dirty="0">
-                <a:solidFill>
-                  <a:srgbClr val="00B0F0"/>
-                </a:solidFill>
-                <a:latin typeface="华文新魏" panose="02010800040101010101" charset="-122"/>
-                <a:ea typeface="华文新魏" panose="02010800040101010101" charset="-122"/>
-                <a:cs typeface="+mn-ea"/>
-                <a:sym typeface="+mn-lt"/>
-              </a:endParaRPr>
             </a:p>
           </p:txBody>
         </p:sp>
@@ -31527,13 +31518,13 @@
   <p:clrMapOvr>
     <a:masterClrMapping/>
   </p:clrMapOvr>
-  <mc:AlternateContent xmlns:mc="http://schemas.openxmlformats.org/markup-compatibility/2006">
-    <mc:Choice xmlns:p14="http://schemas.microsoft.com/office/powerpoint/2010/main" Requires="p14">
+  <mc:AlternateContent xmlns:mc="http://schemas.openxmlformats.org/markup-compatibility/2006" xmlns:p14="http://schemas.microsoft.com/office/powerpoint/2010/main">
+    <mc:Choice Requires="p14">
       <p:transition spd="slow" p14:dur="1500">
         <p:random/>
       </p:transition>
     </mc:Choice>
-    <mc:Fallback>
+    <mc:Fallback xmlns="">
       <p:transition spd="slow">
         <p:random/>
       </p:transition>
@@ -31932,15 +31923,6 @@
                 </a:rPr>
                 <a:t>提交记录</a:t>
               </a:r>
-              <a:endParaRPr lang="zh-CN" altLang="en-US" sz="3600" b="1" dirty="0">
-                <a:solidFill>
-                  <a:srgbClr val="00B0F0"/>
-                </a:solidFill>
-                <a:latin typeface="华文新魏" panose="02010800040101010101" charset="-122"/>
-                <a:ea typeface="华文新魏" panose="02010800040101010101" charset="-122"/>
-                <a:cs typeface="+mn-ea"/>
-                <a:sym typeface="+mn-lt"/>
-              </a:endParaRPr>
             </a:p>
           </p:txBody>
         </p:sp>
@@ -32440,13 +32422,13 @@
   <p:clrMapOvr>
     <a:masterClrMapping/>
   </p:clrMapOvr>
-  <mc:AlternateContent xmlns:mc="http://schemas.openxmlformats.org/markup-compatibility/2006">
-    <mc:Choice xmlns:p14="http://schemas.microsoft.com/office/powerpoint/2010/main" Requires="p14">
+  <mc:AlternateContent xmlns:mc="http://schemas.openxmlformats.org/markup-compatibility/2006" xmlns:p14="http://schemas.microsoft.com/office/powerpoint/2010/main">
+    <mc:Choice Requires="p14">
       <p:transition spd="slow" p14:dur="1500">
         <p:random/>
       </p:transition>
     </mc:Choice>
-    <mc:Fallback>
+    <mc:Fallback xmlns="">
       <p:transition spd="slow">
         <p:random/>
       </p:transition>
@@ -33292,13 +33274,13 @@
   <p:clrMapOvr>
     <a:masterClrMapping/>
   </p:clrMapOvr>
-  <mc:AlternateContent xmlns:mc="http://schemas.openxmlformats.org/markup-compatibility/2006">
-    <mc:Choice xmlns:p14="http://schemas.microsoft.com/office/powerpoint/2010/main" Requires="p14">
+  <mc:AlternateContent xmlns:mc="http://schemas.openxmlformats.org/markup-compatibility/2006" xmlns:p14="http://schemas.microsoft.com/office/powerpoint/2010/main">
+    <mc:Choice Requires="p14">
       <p:transition spd="slow" p14:dur="1500">
         <p:random/>
       </p:transition>
     </mc:Choice>
-    <mc:Fallback>
+    <mc:Fallback xmlns="">
       <p:transition spd="slow">
         <p:random/>
       </p:transition>
@@ -34122,10 +34104,6 @@
               </a:rPr>
               <a:t>以核污染为主题，实现了一个前后端分离的新闻博客系统。 </a:t>
             </a:r>
-            <a:endParaRPr lang="zh-CN" altLang="en-US" sz="2800" dirty="0">
-              <a:latin typeface="华文新魏" panose="02010800040101010101" pitchFamily="2" charset="-122"/>
-              <a:ea typeface="华文新魏" panose="02010800040101010101" pitchFamily="2" charset="-122"/>
-            </a:endParaRPr>
           </a:p>
         </p:txBody>
       </p:sp>
@@ -34139,13 +34117,13 @@
   <p:clrMapOvr>
     <a:masterClrMapping/>
   </p:clrMapOvr>
-  <mc:AlternateContent xmlns:mc="http://schemas.openxmlformats.org/markup-compatibility/2006">
-    <mc:Choice xmlns:p14="http://schemas.microsoft.com/office/powerpoint/2010/main" Requires="p14">
+  <mc:AlternateContent xmlns:mc="http://schemas.openxmlformats.org/markup-compatibility/2006" xmlns:p14="http://schemas.microsoft.com/office/powerpoint/2010/main">
+    <mc:Choice Requires="p14">
       <p:transition spd="slow" p14:dur="1500">
         <p:random/>
       </p:transition>
     </mc:Choice>
-    <mc:Fallback>
+    <mc:Fallback xmlns="">
       <p:transition spd="slow">
         <p:random/>
       </p:transition>
